--- a/EGU2020/methods_landscape.pptx
+++ b/EGU2020/methods_landscape.pptx
@@ -254,7 +254,7 @@
           <a:p>
             <a:fld id="{502388ED-0782-4B50-B4B4-C5249F541F1A}" type="datetimeFigureOut">
               <a:rPr lang="en-US" smtClean="0"/>
-              <a:t>7/22/2020</a:t>
+              <a:t>11/4/2020</a:t>
             </a:fld>
             <a:endParaRPr lang="en-US"/>
           </a:p>
@@ -424,7 +424,7 @@
           <a:p>
             <a:fld id="{502388ED-0782-4B50-B4B4-C5249F541F1A}" type="datetimeFigureOut">
               <a:rPr lang="en-US" smtClean="0"/>
-              <a:t>7/22/2020</a:t>
+              <a:t>11/4/2020</a:t>
             </a:fld>
             <a:endParaRPr lang="en-US"/>
           </a:p>
@@ -604,7 +604,7 @@
           <a:p>
             <a:fld id="{502388ED-0782-4B50-B4B4-C5249F541F1A}" type="datetimeFigureOut">
               <a:rPr lang="en-US" smtClean="0"/>
-              <a:t>7/22/2020</a:t>
+              <a:t>11/4/2020</a:t>
             </a:fld>
             <a:endParaRPr lang="en-US"/>
           </a:p>
@@ -774,7 +774,7 @@
           <a:p>
             <a:fld id="{502388ED-0782-4B50-B4B4-C5249F541F1A}" type="datetimeFigureOut">
               <a:rPr lang="en-US" smtClean="0"/>
-              <a:t>7/22/2020</a:t>
+              <a:t>11/4/2020</a:t>
             </a:fld>
             <a:endParaRPr lang="en-US"/>
           </a:p>
@@ -1020,7 +1020,7 @@
           <a:p>
             <a:fld id="{502388ED-0782-4B50-B4B4-C5249F541F1A}" type="datetimeFigureOut">
               <a:rPr lang="en-US" smtClean="0"/>
-              <a:t>7/22/2020</a:t>
+              <a:t>11/4/2020</a:t>
             </a:fld>
             <a:endParaRPr lang="en-US"/>
           </a:p>
@@ -1252,7 +1252,7 @@
           <a:p>
             <a:fld id="{502388ED-0782-4B50-B4B4-C5249F541F1A}" type="datetimeFigureOut">
               <a:rPr lang="en-US" smtClean="0"/>
-              <a:t>7/22/2020</a:t>
+              <a:t>11/4/2020</a:t>
             </a:fld>
             <a:endParaRPr lang="en-US"/>
           </a:p>
@@ -1619,7 +1619,7 @@
           <a:p>
             <a:fld id="{502388ED-0782-4B50-B4B4-C5249F541F1A}" type="datetimeFigureOut">
               <a:rPr lang="en-US" smtClean="0"/>
-              <a:t>7/22/2020</a:t>
+              <a:t>11/4/2020</a:t>
             </a:fld>
             <a:endParaRPr lang="en-US"/>
           </a:p>
@@ -1737,7 +1737,7 @@
           <a:p>
             <a:fld id="{502388ED-0782-4B50-B4B4-C5249F541F1A}" type="datetimeFigureOut">
               <a:rPr lang="en-US" smtClean="0"/>
-              <a:t>7/22/2020</a:t>
+              <a:t>11/4/2020</a:t>
             </a:fld>
             <a:endParaRPr lang="en-US"/>
           </a:p>
@@ -1832,7 +1832,7 @@
           <a:p>
             <a:fld id="{502388ED-0782-4B50-B4B4-C5249F541F1A}" type="datetimeFigureOut">
               <a:rPr lang="en-US" smtClean="0"/>
-              <a:t>7/22/2020</a:t>
+              <a:t>11/4/2020</a:t>
             </a:fld>
             <a:endParaRPr lang="en-US"/>
           </a:p>
@@ -2109,7 +2109,7 @@
           <a:p>
             <a:fld id="{502388ED-0782-4B50-B4B4-C5249F541F1A}" type="datetimeFigureOut">
               <a:rPr lang="en-US" smtClean="0"/>
-              <a:t>7/22/2020</a:t>
+              <a:t>11/4/2020</a:t>
             </a:fld>
             <a:endParaRPr lang="en-US"/>
           </a:p>
@@ -2366,7 +2366,7 @@
           <a:p>
             <a:fld id="{502388ED-0782-4B50-B4B4-C5249F541F1A}" type="datetimeFigureOut">
               <a:rPr lang="en-US" smtClean="0"/>
-              <a:t>7/22/2020</a:t>
+              <a:t>11/4/2020</a:t>
             </a:fld>
             <a:endParaRPr lang="en-US"/>
           </a:p>
@@ -2579,7 +2579,7 @@
           <a:p>
             <a:fld id="{502388ED-0782-4B50-B4B4-C5249F541F1A}" type="datetimeFigureOut">
               <a:rPr lang="en-US" smtClean="0"/>
-              <a:t>7/22/2020</a:t>
+              <a:t>11/4/2020</a:t>
             </a:fld>
             <a:endParaRPr lang="en-US"/>
           </a:p>
@@ -3589,7 +3589,7 @@
               <a:t>Canny Edge Detector &amp; Otsu Dynamic Bimodal Threshold </a:t>
             </a:r>
             <a:r>
-              <a:rPr lang="en-US" sz="1000" i="1" dirty="0" smtClean="0">
+              <a:rPr lang="en-US" sz="1000" i="1" dirty="0">
                 <a:solidFill>
                   <a:schemeClr val="tx1">
                     <a:lumMod val="95000"/>
@@ -3602,7 +3602,7 @@
               <a:t>(</a:t>
             </a:r>
             <a:r>
-              <a:rPr lang="en-US" sz="1000" i="1" dirty="0" err="1" smtClean="0">
+              <a:rPr lang="en-US" sz="1000" i="1" dirty="0" err="1">
                 <a:solidFill>
                   <a:schemeClr val="tx1">
                     <a:lumMod val="95000"/>
@@ -3615,7 +3615,7 @@
               <a:t>Th</a:t>
             </a:r>
             <a:r>
-              <a:rPr lang="en-US" sz="1000" i="1" dirty="0" smtClean="0">
+              <a:rPr lang="en-US" sz="1000" i="1" dirty="0">
                 <a:solidFill>
                   <a:schemeClr val="tx1">
                     <a:lumMod val="95000"/>
@@ -3627,16 +3627,6 @@
               </a:rPr>
               <a:t>)</a:t>
             </a:r>
-            <a:endParaRPr lang="en-US" sz="1000" i="1" dirty="0">
-              <a:solidFill>
-                <a:schemeClr val="tx1">
-                  <a:lumMod val="95000"/>
-                  <a:lumOff val="5000"/>
-                </a:schemeClr>
-              </a:solidFill>
-              <a:latin typeface="Arial" panose="020B0604020202020204" pitchFamily="34" charset="0"/>
-              <a:cs typeface="Arial" panose="020B0604020202020204" pitchFamily="34" charset="0"/>
-            </a:endParaRPr>
           </a:p>
         </p:txBody>
       </p:sp>
@@ -3716,19 +3706,6 @@
           <a:p>
             <a:pPr algn="ctr"/>
             <a:r>
-              <a:rPr lang="en-US" sz="1000" dirty="0" smtClean="0">
-                <a:solidFill>
-                  <a:schemeClr val="tx1">
-                    <a:lumMod val="95000"/>
-                    <a:lumOff val="5000"/>
-                  </a:schemeClr>
-                </a:solidFill>
-                <a:latin typeface="Arial" panose="020B0604020202020204" pitchFamily="34" charset="0"/>
-                <a:cs typeface="Arial" panose="020B0604020202020204" pitchFamily="34" charset="0"/>
-              </a:rPr>
-              <a:t>MNDWI </a:t>
-            </a:r>
-            <a:r>
               <a:rPr lang="en-US" sz="1000" dirty="0">
                 <a:solidFill>
                   <a:schemeClr val="tx1">
@@ -3739,7 +3716,7 @@
                 <a:latin typeface="Arial" panose="020B0604020202020204" pitchFamily="34" charset="0"/>
                 <a:cs typeface="Arial" panose="020B0604020202020204" pitchFamily="34" charset="0"/>
               </a:rPr>
-              <a:t>&gt; </a:t>
+              <a:t>MNDWI &gt; </a:t>
             </a:r>
             <a:r>
               <a:rPr lang="en-US" sz="1000" i="1" dirty="0" err="1">
@@ -3752,33 +3729,7 @@
                 <a:latin typeface="Arial" panose="020B0604020202020204" pitchFamily="34" charset="0"/>
                 <a:cs typeface="Arial" panose="020B0604020202020204" pitchFamily="34" charset="0"/>
               </a:rPr>
-              <a:t>T</a:t>
-            </a:r>
-            <a:r>
-              <a:rPr lang="en-US" sz="1000" i="1" dirty="0" err="1" smtClean="0">
-                <a:solidFill>
-                  <a:schemeClr val="tx1">
-                    <a:lumMod val="95000"/>
-                    <a:lumOff val="5000"/>
-                  </a:schemeClr>
-                </a:solidFill>
-                <a:latin typeface="Arial" panose="020B0604020202020204" pitchFamily="34" charset="0"/>
-                <a:cs typeface="Arial" panose="020B0604020202020204" pitchFamily="34" charset="0"/>
-              </a:rPr>
-              <a:t>h</a:t>
-            </a:r>
-            <a:r>
-              <a:rPr lang="en-US" sz="1000" dirty="0" smtClean="0">
-                <a:solidFill>
-                  <a:schemeClr val="tx1">
-                    <a:lumMod val="95000"/>
-                    <a:lumOff val="5000"/>
-                  </a:schemeClr>
-                </a:solidFill>
-                <a:latin typeface="Arial" panose="020B0604020202020204" pitchFamily="34" charset="0"/>
-                <a:cs typeface="Arial" panose="020B0604020202020204" pitchFamily="34" charset="0"/>
-              </a:rPr>
-              <a:t> </a:t>
+              <a:t>Th</a:t>
             </a:r>
             <a:r>
               <a:rPr lang="en-US" sz="1000" dirty="0">
@@ -3791,23 +3742,10 @@
                 <a:latin typeface="Arial" panose="020B0604020202020204" pitchFamily="34" charset="0"/>
                 <a:cs typeface="Arial" panose="020B0604020202020204" pitchFamily="34" charset="0"/>
               </a:rPr>
-              <a:t>&amp; </a:t>
-            </a:r>
-            <a:r>
-              <a:rPr lang="en-US" sz="1000" dirty="0" smtClean="0">
-                <a:solidFill>
-                  <a:schemeClr val="tx1">
-                    <a:lumMod val="95000"/>
-                    <a:lumOff val="5000"/>
-                  </a:schemeClr>
-                </a:solidFill>
-                <a:latin typeface="Arial" panose="020B0604020202020204" pitchFamily="34" charset="0"/>
-                <a:cs typeface="Arial" panose="020B0604020202020204" pitchFamily="34" charset="0"/>
-              </a:rPr>
-              <a:t>VDCN &lt; </a:t>
-            </a:r>
-            <a:r>
-              <a:rPr lang="en-US" sz="1000" i="1" dirty="0" smtClean="0">
+              <a:t> &amp; VDCN &lt; </a:t>
+            </a:r>
+            <a:r>
+              <a:rPr lang="en-US" sz="1000" i="1" dirty="0">
                 <a:solidFill>
                   <a:schemeClr val="tx1">
                     <a:lumMod val="95000"/>
@@ -3819,16 +3757,6 @@
               </a:rPr>
               <a:t>15 m</a:t>
             </a:r>
-            <a:endParaRPr lang="en-US" sz="1000" i="1" dirty="0">
-              <a:solidFill>
-                <a:schemeClr val="tx1">
-                  <a:lumMod val="95000"/>
-                  <a:lumOff val="5000"/>
-                </a:schemeClr>
-              </a:solidFill>
-              <a:latin typeface="Arial" panose="020B0604020202020204" pitchFamily="34" charset="0"/>
-              <a:cs typeface="Arial" panose="020B0604020202020204" pitchFamily="34" charset="0"/>
-            </a:endParaRPr>
           </a:p>
         </p:txBody>
       </p:sp>
@@ -4055,31 +3983,8 @@
                 <a:latin typeface="Arial" panose="020B0604020202020204" pitchFamily="34" charset="0"/>
                 <a:cs typeface="Arial" panose="020B0604020202020204" pitchFamily="34" charset="0"/>
               </a:rPr>
-              <a:t>Vertical Distance to Channel Network </a:t>
-            </a:r>
-            <a:r>
-              <a:rPr lang="en-US" sz="1000" dirty="0" smtClean="0">
-                <a:solidFill>
-                  <a:schemeClr val="tx1">
-                    <a:lumMod val="95000"/>
-                    <a:lumOff val="5000"/>
-                  </a:schemeClr>
-                </a:solidFill>
-                <a:latin typeface="Arial" panose="020B0604020202020204" pitchFamily="34" charset="0"/>
-                <a:cs typeface="Arial" panose="020B0604020202020204" pitchFamily="34" charset="0"/>
-              </a:rPr>
-              <a:t>(VDCN)</a:t>
-            </a:r>
-            <a:endParaRPr lang="en-US" sz="1000" dirty="0">
-              <a:solidFill>
-                <a:schemeClr val="tx1">
-                  <a:lumMod val="95000"/>
-                  <a:lumOff val="5000"/>
-                </a:schemeClr>
-              </a:solidFill>
-              <a:latin typeface="Arial" panose="020B0604020202020204" pitchFamily="34" charset="0"/>
-              <a:cs typeface="Arial" panose="020B0604020202020204" pitchFamily="34" charset="0"/>
-            </a:endParaRPr>
+              <a:t>Vertical Distance to Channel Network (VDCN)</a:t>
+            </a:r>
           </a:p>
         </p:txBody>
       </p:sp>
@@ -4645,19 +4550,6 @@
           <a:p>
             <a:pPr algn="ctr"/>
             <a:r>
-              <a:rPr lang="en-US" sz="1000" dirty="0" smtClean="0">
-                <a:solidFill>
-                  <a:schemeClr val="tx1">
-                    <a:lumMod val="95000"/>
-                    <a:lumOff val="5000"/>
-                  </a:schemeClr>
-                </a:solidFill>
-                <a:latin typeface="Arial" panose="020B0604020202020204" pitchFamily="34" charset="0"/>
-                <a:cs typeface="Arial" panose="020B0604020202020204" pitchFamily="34" charset="0"/>
-              </a:rPr>
-              <a:t>Classification refinement </a:t>
-            </a:r>
-            <a:r>
               <a:rPr lang="en-US" sz="1000" dirty="0">
                 <a:solidFill>
                   <a:schemeClr val="tx1">
@@ -4668,7 +4560,7 @@
                 <a:latin typeface="Arial" panose="020B0604020202020204" pitchFamily="34" charset="0"/>
                 <a:cs typeface="Arial" panose="020B0604020202020204" pitchFamily="34" charset="0"/>
               </a:rPr>
-              <a:t>&amp; Validation</a:t>
+              <a:t>Classification refinement &amp; Validation</a:t>
             </a:r>
           </a:p>
         </p:txBody>
@@ -4697,7 +4589,7 @@
           <a:p>
             <a:pPr algn="ctr"/>
             <a:r>
-              <a:rPr lang="en-US" sz="1000" dirty="0" smtClean="0">
+              <a:rPr lang="en-US" sz="1000" dirty="0">
                 <a:solidFill>
                   <a:schemeClr val="tx1">
                     <a:lumMod val="95000"/>
@@ -4709,16 +4601,6 @@
               </a:rPr>
               <a:t>GNS dam inventory &amp; Dammed lakes visual inspection</a:t>
             </a:r>
-            <a:endParaRPr lang="en-US" sz="1000" dirty="0">
-              <a:solidFill>
-                <a:schemeClr val="tx1">
-                  <a:lumMod val="95000"/>
-                  <a:lumOff val="5000"/>
-                </a:schemeClr>
-              </a:solidFill>
-              <a:latin typeface="Arial" panose="020B0604020202020204" pitchFamily="34" charset="0"/>
-              <a:cs typeface="Arial" panose="020B0604020202020204" pitchFamily="34" charset="0"/>
-            </a:endParaRPr>
           </a:p>
         </p:txBody>
       </p:sp>
